--- a/ImageManipulationWorkshop-Amit.pptx
+++ b/ImageManipulationWorkshop-Amit.pptx
@@ -9,14 +9,17 @@
     <p:sldId id="257" r:id="rId3"/>
     <p:sldId id="258" r:id="rId4"/>
     <p:sldId id="260" r:id="rId5"/>
-    <p:sldId id="261" r:id="rId6"/>
-    <p:sldId id="262" r:id="rId7"/>
-    <p:sldId id="263" r:id="rId8"/>
-    <p:sldId id="264" r:id="rId9"/>
-    <p:sldId id="265" r:id="rId10"/>
-    <p:sldId id="266" r:id="rId11"/>
-    <p:sldId id="267" r:id="rId12"/>
-    <p:sldId id="268" r:id="rId13"/>
+    <p:sldId id="269" r:id="rId6"/>
+    <p:sldId id="261" r:id="rId7"/>
+    <p:sldId id="262" r:id="rId8"/>
+    <p:sldId id="263" r:id="rId9"/>
+    <p:sldId id="264" r:id="rId10"/>
+    <p:sldId id="265" r:id="rId11"/>
+    <p:sldId id="270" r:id="rId12"/>
+    <p:sldId id="271" r:id="rId13"/>
+    <p:sldId id="266" r:id="rId14"/>
+    <p:sldId id="267" r:id="rId15"/>
+    <p:sldId id="268" r:id="rId16"/>
   </p:sldIdLst>
   <p:sldSz cx="9144000" cy="6858000" type="screen4x3"/>
   <p:notesSz cx="6858000" cy="9144000"/>
@@ -23101,6 +23104,768 @@
             <a:pPr algn="ctr"/>
             <a:r>
               <a:rPr lang="en-US" dirty="0"/>
+              <a:t>Adding real time features with </a:t>
+            </a:r>
+            <a:r>
+              <a:rPr lang="en-US" dirty="0" err="1"/>
+              <a:t>now.js</a:t>
+            </a:r>
+            <a:endParaRPr lang="en-US" dirty="0"/>
+          </a:p>
+        </p:txBody>
+      </p:sp>
+      <p:sp>
+        <p:nvSpPr>
+          <p:cNvPr id="4" name="Rectangle 3"/>
+          <p:cNvSpPr/>
+          <p:nvPr/>
+        </p:nvSpPr>
+        <p:spPr>
+          <a:xfrm>
+            <a:off x="111598" y="988383"/>
+            <a:ext cx="8756177" cy="461665"/>
+          </a:xfrm>
+          <a:prstGeom prst="rect">
+            <a:avLst/>
+          </a:prstGeom>
+        </p:spPr>
+        <p:txBody>
+          <a:bodyPr wrap="square">
+            <a:spAutoFit/>
+          </a:bodyPr>
+          <a:lstStyle/>
+          <a:p>
+            <a:r>
+              <a:rPr lang="en-US" sz="2400" dirty="0" smtClean="0"/>
+              <a:t>    </a:t>
+            </a:r>
+            <a:endParaRPr lang="en-US" sz="2400" dirty="0"/>
+          </a:p>
+        </p:txBody>
+      </p:sp>
+      <p:sp>
+        <p:nvSpPr>
+          <p:cNvPr id="5" name="Rectangle 4"/>
+          <p:cNvSpPr/>
+          <p:nvPr/>
+        </p:nvSpPr>
+        <p:spPr>
+          <a:xfrm>
+            <a:off x="584862" y="5103673"/>
+            <a:ext cx="7677026" cy="1754327"/>
+          </a:xfrm>
+          <a:prstGeom prst="rect">
+            <a:avLst/>
+          </a:prstGeom>
+          <a:noFill/>
+        </p:spPr>
+        <p:txBody>
+          <a:bodyPr wrap="none" lIns="91440" tIns="45720" rIns="91440" bIns="45720">
+            <a:spAutoFit/>
+          </a:bodyPr>
+          <a:lstStyle/>
+          <a:p>
+            <a:pPr algn="ctr"/>
+            <a:r>
+              <a:rPr lang="en-US" sz="5400" b="1" cap="none" spc="0" dirty="0" smtClean="0">
+                <a:ln w="12700">
+                  <a:solidFill>
+                    <a:schemeClr val="tx2">
+                      <a:satMod val="155000"/>
+                    </a:schemeClr>
+                  </a:solidFill>
+                  <a:prstDash val="solid"/>
+                </a:ln>
+                <a:solidFill>
+                  <a:schemeClr val="bg2">
+                    <a:tint val="85000"/>
+                    <a:satMod val="155000"/>
+                  </a:schemeClr>
+                </a:solidFill>
+                <a:effectLst>
+                  <a:outerShdw blurRad="41275" dist="20320" dir="1800000" algn="tl" rotWithShape="0">
+                    <a:srgbClr val="000000">
+                      <a:alpha val="40000"/>
+                    </a:srgbClr>
+                  </a:outerShdw>
+                </a:effectLst>
+              </a:rPr>
+              <a:t>Lets Have some hands-on</a:t>
+            </a:r>
+          </a:p>
+          <a:p>
+            <a:pPr algn="ctr"/>
+            <a:r>
+              <a:rPr lang="en-US" sz="5400" b="1" dirty="0" smtClean="0">
+                <a:ln w="12700">
+                  <a:solidFill>
+                    <a:schemeClr val="tx2">
+                      <a:satMod val="155000"/>
+                    </a:schemeClr>
+                  </a:solidFill>
+                  <a:prstDash val="solid"/>
+                </a:ln>
+                <a:solidFill>
+                  <a:schemeClr val="bg2">
+                    <a:tint val="85000"/>
+                    <a:satMod val="155000"/>
+                  </a:schemeClr>
+                </a:solidFill>
+                <a:effectLst>
+                  <a:outerShdw blurRad="41275" dist="20320" dir="1800000" algn="tl" rotWithShape="0">
+                    <a:srgbClr val="000000">
+                      <a:alpha val="40000"/>
+                    </a:srgbClr>
+                  </a:outerShdw>
+                </a:effectLst>
+              </a:rPr>
+              <a:t>Coding</a:t>
+            </a:r>
+            <a:endParaRPr lang="en-US" sz="5400" b="1" cap="none" spc="0" dirty="0">
+              <a:ln w="12700">
+                <a:solidFill>
+                  <a:schemeClr val="tx2">
+                    <a:satMod val="155000"/>
+                  </a:schemeClr>
+                </a:solidFill>
+                <a:prstDash val="solid"/>
+              </a:ln>
+              <a:solidFill>
+                <a:schemeClr val="bg2">
+                  <a:tint val="85000"/>
+                  <a:satMod val="155000"/>
+                </a:schemeClr>
+              </a:solidFill>
+              <a:effectLst>
+                <a:outerShdw blurRad="41275" dist="20320" dir="1800000" algn="tl" rotWithShape="0">
+                  <a:srgbClr val="000000">
+                    <a:alpha val="40000"/>
+                  </a:srgbClr>
+                </a:outerShdw>
+              </a:effectLst>
+            </a:endParaRPr>
+          </a:p>
+        </p:txBody>
+      </p:sp>
+    </p:spTree>
+    <p:extLst>
+      <p:ext uri="{BB962C8B-B14F-4D97-AF65-F5344CB8AC3E}">
+        <p14:creationId xmlns:p14="http://schemas.microsoft.com/office/powerpoint/2010/main" val="3414000928"/>
+      </p:ext>
+    </p:extLst>
+  </p:cSld>
+  <p:clrMapOvr>
+    <a:masterClrMapping/>
+  </p:clrMapOvr>
+  <p:timing>
+    <p:tnLst>
+      <p:par>
+        <p:cTn xmlns:p14="http://schemas.microsoft.com/office/powerpoint/2010/main" id="1" dur="indefinite" restart="never" nodeType="tmRoot"/>
+      </p:par>
+    </p:tnLst>
+  </p:timing>
+</p:sld>
+</file>
+
+<file path=ppt/slides/slide11.xml><?xml version="1.0" encoding="utf-8"?>
+<p:sld xmlns:a="http://schemas.openxmlformats.org/drawingml/2006/main" xmlns:r="http://schemas.openxmlformats.org/officeDocument/2006/relationships" xmlns:p="http://schemas.openxmlformats.org/presentationml/2006/main">
+  <p:cSld>
+    <p:spTree>
+      <p:nvGrpSpPr>
+        <p:cNvPr id="1" name=""/>
+        <p:cNvGrpSpPr/>
+        <p:nvPr/>
+      </p:nvGrpSpPr>
+      <p:grpSpPr>
+        <a:xfrm>
+          <a:off x="0" y="0"/>
+          <a:ext cx="0" cy="0"/>
+          <a:chOff x="0" y="0"/>
+          <a:chExt cx="0" cy="0"/>
+        </a:xfrm>
+      </p:grpSpPr>
+      <p:sp>
+        <p:nvSpPr>
+          <p:cNvPr id="2" name="Title 1"/>
+          <p:cNvSpPr>
+            <a:spLocks noGrp="1"/>
+          </p:cNvSpPr>
+          <p:nvPr>
+            <p:ph type="title"/>
+          </p:nvPr>
+        </p:nvSpPr>
+        <p:spPr>
+          <a:xfrm>
+            <a:off x="276225" y="1"/>
+            <a:ext cx="8591550" cy="696382"/>
+          </a:xfrm>
+        </p:spPr>
+        <p:txBody>
+          <a:bodyPr>
+            <a:normAutofit/>
+          </a:bodyPr>
+          <a:lstStyle/>
+          <a:p>
+            <a:pPr algn="ctr"/>
+            <a:r>
+              <a:rPr lang="en-US" dirty="0" smtClean="0"/>
+              <a:t>Face detection with Node and </a:t>
+            </a:r>
+            <a:r>
+              <a:rPr lang="en-US" dirty="0" err="1" smtClean="0"/>
+              <a:t>opencv</a:t>
+            </a:r>
+            <a:endParaRPr lang="en-US" dirty="0"/>
+          </a:p>
+        </p:txBody>
+      </p:sp>
+      <p:sp>
+        <p:nvSpPr>
+          <p:cNvPr id="4" name="Rectangle 3"/>
+          <p:cNvSpPr/>
+          <p:nvPr/>
+        </p:nvSpPr>
+        <p:spPr>
+          <a:xfrm>
+            <a:off x="111598" y="988383"/>
+            <a:ext cx="8756177" cy="461665"/>
+          </a:xfrm>
+          <a:prstGeom prst="rect">
+            <a:avLst/>
+          </a:prstGeom>
+        </p:spPr>
+        <p:txBody>
+          <a:bodyPr wrap="square">
+            <a:spAutoFit/>
+          </a:bodyPr>
+          <a:lstStyle/>
+          <a:p>
+            <a:r>
+              <a:rPr lang="en-US" sz="2400" dirty="0" smtClean="0"/>
+              <a:t>    </a:t>
+            </a:r>
+            <a:endParaRPr lang="en-US" sz="2400" dirty="0"/>
+          </a:p>
+        </p:txBody>
+      </p:sp>
+      <p:sp>
+        <p:nvSpPr>
+          <p:cNvPr id="6" name="TextBox 5"/>
+          <p:cNvSpPr txBox="1"/>
+          <p:nvPr/>
+        </p:nvSpPr>
+        <p:spPr>
+          <a:xfrm>
+            <a:off x="276225" y="1085197"/>
+            <a:ext cx="5277058" cy="646331"/>
+          </a:xfrm>
+          <a:prstGeom prst="rect">
+            <a:avLst/>
+          </a:prstGeom>
+          <a:noFill/>
+        </p:spPr>
+        <p:txBody>
+          <a:bodyPr wrap="square" rtlCol="0">
+            <a:spAutoFit/>
+          </a:bodyPr>
+          <a:lstStyle/>
+          <a:p>
+            <a:pPr marL="342900" indent="-342900">
+              <a:buAutoNum type="arabicPeriod"/>
+            </a:pPr>
+            <a:r>
+              <a:rPr lang="en-US" dirty="0" smtClean="0"/>
+              <a:t>brew install </a:t>
+            </a:r>
+            <a:r>
+              <a:rPr lang="en-US" dirty="0" err="1" smtClean="0"/>
+              <a:t>opencv</a:t>
+            </a:r>
+            <a:endParaRPr lang="en-US" dirty="0" smtClean="0"/>
+          </a:p>
+          <a:p>
+            <a:pPr marL="342900" indent="-342900">
+              <a:buAutoNum type="arabicPeriod"/>
+            </a:pPr>
+            <a:r>
+              <a:rPr lang="en-US" dirty="0" err="1" smtClean="0"/>
+              <a:t>Sudo</a:t>
+            </a:r>
+            <a:r>
+              <a:rPr lang="en-US" dirty="0" smtClean="0"/>
+              <a:t> </a:t>
+            </a:r>
+            <a:r>
+              <a:rPr lang="en-US" dirty="0" err="1" smtClean="0"/>
+              <a:t>npm</a:t>
+            </a:r>
+            <a:r>
+              <a:rPr lang="en-US" dirty="0" smtClean="0"/>
+              <a:t> install </a:t>
+            </a:r>
+            <a:r>
+              <a:rPr lang="en-US" dirty="0" err="1" smtClean="0"/>
+              <a:t>opencv</a:t>
+            </a:r>
+            <a:r>
+              <a:rPr lang="en-US" dirty="0" smtClean="0"/>
+              <a:t> –g</a:t>
+            </a:r>
+          </a:p>
+        </p:txBody>
+      </p:sp>
+      <p:sp>
+        <p:nvSpPr>
+          <p:cNvPr id="3" name="Rectangle 2"/>
+          <p:cNvSpPr/>
+          <p:nvPr/>
+        </p:nvSpPr>
+        <p:spPr>
+          <a:xfrm>
+            <a:off x="276225" y="3564818"/>
+            <a:ext cx="7898315" cy="2893100"/>
+          </a:xfrm>
+          <a:prstGeom prst="rect">
+            <a:avLst/>
+          </a:prstGeom>
+        </p:spPr>
+        <p:txBody>
+          <a:bodyPr wrap="square">
+            <a:spAutoFit/>
+          </a:bodyPr>
+          <a:lstStyle/>
+          <a:p>
+            <a:r>
+              <a:rPr lang="en-US" sz="1400" dirty="0" err="1"/>
+              <a:t>var</a:t>
+            </a:r>
+            <a:r>
+              <a:rPr lang="en-US" sz="1400" dirty="0"/>
+              <a:t> cv = require('</a:t>
+            </a:r>
+            <a:r>
+              <a:rPr lang="en-US" sz="1400" dirty="0" err="1"/>
+              <a:t>opencv</a:t>
+            </a:r>
+            <a:r>
+              <a:rPr lang="en-US" sz="1400" dirty="0"/>
+              <a:t>');</a:t>
+            </a:r>
+          </a:p>
+          <a:p>
+            <a:r>
+              <a:rPr lang="en-US" sz="1400" dirty="0" err="1"/>
+              <a:t>var</a:t>
+            </a:r>
+            <a:r>
+              <a:rPr lang="en-US" sz="1400" dirty="0"/>
+              <a:t> COLOR = [0, 255, 0]; //default red</a:t>
+            </a:r>
+          </a:p>
+          <a:p>
+            <a:r>
+              <a:rPr lang="en-US" sz="1400" dirty="0" err="1"/>
+              <a:t>var</a:t>
+            </a:r>
+            <a:r>
+              <a:rPr lang="en-US" sz="1400" dirty="0"/>
+              <a:t> thickness = 2; // default 1</a:t>
+            </a:r>
+          </a:p>
+          <a:p>
+            <a:r>
+              <a:rPr lang="en-US" sz="1400" dirty="0" err="1"/>
+              <a:t>cv.readImage</a:t>
+            </a:r>
+            <a:r>
+              <a:rPr lang="en-US" sz="1400" dirty="0"/>
+              <a:t>('./</a:t>
+            </a:r>
+            <a:r>
+              <a:rPr lang="en-US" sz="1400" dirty="0" err="1"/>
+              <a:t>mona.png</a:t>
+            </a:r>
+            <a:r>
+              <a:rPr lang="en-US" sz="1400" dirty="0"/>
+              <a:t>', function(err, </a:t>
+            </a:r>
+            <a:r>
+              <a:rPr lang="en-US" sz="1400" dirty="0" err="1"/>
+              <a:t>im</a:t>
+            </a:r>
+            <a:r>
+              <a:rPr lang="en-US" sz="1400" dirty="0"/>
+              <a:t>) {</a:t>
+            </a:r>
+          </a:p>
+          <a:p>
+            <a:r>
+              <a:rPr lang="en-US" sz="1400" dirty="0" err="1"/>
+              <a:t>im.detectObject</a:t>
+            </a:r>
+            <a:r>
+              <a:rPr lang="en-US" sz="1400" dirty="0"/>
+              <a:t>('../data/haarcascade_frontalface_alt2.xml', {}, function(err, faces) {</a:t>
+            </a:r>
+          </a:p>
+          <a:p>
+            <a:endParaRPr lang="en-US" sz="1400" dirty="0"/>
+          </a:p>
+          <a:p>
+            <a:r>
+              <a:rPr lang="en-US" sz="1400" dirty="0"/>
+              <a:t>        for(</a:t>
+            </a:r>
+            <a:r>
+              <a:rPr lang="en-US" sz="1400" dirty="0" err="1"/>
+              <a:t>var</a:t>
+            </a:r>
+            <a:r>
+              <a:rPr lang="en-US" sz="1400" dirty="0"/>
+              <a:t> k = 0; k &lt; </a:t>
+            </a:r>
+            <a:r>
+              <a:rPr lang="en-US" sz="1400" dirty="0" err="1"/>
+              <a:t>faces.length</a:t>
+            </a:r>
+            <a:r>
+              <a:rPr lang="en-US" sz="1400" dirty="0"/>
+              <a:t>; k++) {</a:t>
+            </a:r>
+          </a:p>
+          <a:p>
+            <a:r>
+              <a:rPr lang="en-US" sz="1400" dirty="0"/>
+              <a:t>                face = faces[k];</a:t>
+            </a:r>
+          </a:p>
+          <a:p>
+            <a:r>
+              <a:rPr lang="en-US" sz="1400" dirty="0"/>
+              <a:t>                </a:t>
+            </a:r>
+            <a:r>
+              <a:rPr lang="en-US" sz="1400" dirty="0" err="1"/>
+              <a:t>im.rectangle</a:t>
+            </a:r>
+            <a:r>
+              <a:rPr lang="en-US" sz="1400" dirty="0"/>
+              <a:t>([</a:t>
+            </a:r>
+            <a:r>
+              <a:rPr lang="en-US" sz="1400" dirty="0" err="1"/>
+              <a:t>face.x</a:t>
+            </a:r>
+            <a:r>
+              <a:rPr lang="en-US" sz="1400" dirty="0"/>
+              <a:t>, </a:t>
+            </a:r>
+            <a:r>
+              <a:rPr lang="en-US" sz="1400" dirty="0" err="1"/>
+              <a:t>face.y</a:t>
+            </a:r>
+            <a:r>
+              <a:rPr lang="en-US" sz="1400" dirty="0"/>
+              <a:t>], [</a:t>
+            </a:r>
+            <a:r>
+              <a:rPr lang="en-US" sz="1400" dirty="0" err="1"/>
+              <a:t>face.x</a:t>
+            </a:r>
+            <a:r>
+              <a:rPr lang="en-US" sz="1400" dirty="0"/>
+              <a:t> + </a:t>
+            </a:r>
+            <a:r>
+              <a:rPr lang="en-US" sz="1400" dirty="0" err="1"/>
+              <a:t>face.width</a:t>
+            </a:r>
+            <a:r>
+              <a:rPr lang="en-US" sz="1400" dirty="0"/>
+              <a:t>, </a:t>
+            </a:r>
+            <a:r>
+              <a:rPr lang="en-US" sz="1400" dirty="0" err="1"/>
+              <a:t>face.y</a:t>
+            </a:r>
+            <a:r>
+              <a:rPr lang="en-US" sz="1400" dirty="0"/>
+              <a:t> + </a:t>
+            </a:r>
+            <a:r>
+              <a:rPr lang="en-US" sz="1400" dirty="0" err="1"/>
+              <a:t>face.height</a:t>
+            </a:r>
+            <a:r>
+              <a:rPr lang="en-US" sz="1400" dirty="0"/>
+              <a:t>], COLOR, 2);</a:t>
+            </a:r>
+          </a:p>
+          <a:p>
+            <a:r>
+              <a:rPr lang="en-US" sz="1400" dirty="0"/>
+              <a:t>        }</a:t>
+            </a:r>
+          </a:p>
+          <a:p>
+            <a:r>
+              <a:rPr lang="en-US" sz="1400" dirty="0"/>
+              <a:t>        </a:t>
+            </a:r>
+            <a:r>
+              <a:rPr lang="en-US" sz="1400" dirty="0" err="1"/>
+              <a:t>im.save</a:t>
+            </a:r>
+            <a:r>
+              <a:rPr lang="en-US" sz="1400" dirty="0"/>
+              <a:t>('./</a:t>
+            </a:r>
+            <a:r>
+              <a:rPr lang="en-US" sz="1400" dirty="0" err="1"/>
+              <a:t>detected.png</a:t>
+            </a:r>
+            <a:r>
+              <a:rPr lang="en-US" sz="1400" dirty="0"/>
+              <a:t>');</a:t>
+            </a:r>
+          </a:p>
+          <a:p>
+            <a:r>
+              <a:rPr lang="en-US" sz="1400" dirty="0"/>
+              <a:t>});</a:t>
+            </a:r>
+          </a:p>
+          <a:p>
+            <a:r>
+              <a:rPr lang="en-US" sz="1400" dirty="0"/>
+              <a:t>});</a:t>
+            </a:r>
+          </a:p>
+        </p:txBody>
+      </p:sp>
+    </p:spTree>
+    <p:extLst>
+      <p:ext uri="{BB962C8B-B14F-4D97-AF65-F5344CB8AC3E}">
+        <p14:creationId xmlns:p14="http://schemas.microsoft.com/office/powerpoint/2010/main" val="981695645"/>
+      </p:ext>
+    </p:extLst>
+  </p:cSld>
+  <p:clrMapOvr>
+    <a:masterClrMapping/>
+  </p:clrMapOvr>
+  <p:timing>
+    <p:tnLst>
+      <p:par>
+        <p:cTn xmlns:p14="http://schemas.microsoft.com/office/powerpoint/2010/main" id="1" dur="indefinite" restart="never" nodeType="tmRoot"/>
+      </p:par>
+    </p:tnLst>
+  </p:timing>
+</p:sld>
+</file>
+
+<file path=ppt/slides/slide12.xml><?xml version="1.0" encoding="utf-8"?>
+<p:sld xmlns:a="http://schemas.openxmlformats.org/drawingml/2006/main" xmlns:r="http://schemas.openxmlformats.org/officeDocument/2006/relationships" xmlns:p="http://schemas.openxmlformats.org/presentationml/2006/main">
+  <p:cSld>
+    <p:spTree>
+      <p:nvGrpSpPr>
+        <p:cNvPr id="1" name=""/>
+        <p:cNvGrpSpPr/>
+        <p:nvPr/>
+      </p:nvGrpSpPr>
+      <p:grpSpPr>
+        <a:xfrm>
+          <a:off x="0" y="0"/>
+          <a:ext cx="0" cy="0"/>
+          <a:chOff x="0" y="0"/>
+          <a:chExt cx="0" cy="0"/>
+        </a:xfrm>
+      </p:grpSpPr>
+      <p:sp>
+        <p:nvSpPr>
+          <p:cNvPr id="2" name="Title 1"/>
+          <p:cNvSpPr>
+            <a:spLocks noGrp="1"/>
+          </p:cNvSpPr>
+          <p:nvPr>
+            <p:ph type="title"/>
+          </p:nvPr>
+        </p:nvSpPr>
+        <p:spPr>
+          <a:xfrm>
+            <a:off x="276225" y="1"/>
+            <a:ext cx="8591550" cy="696382"/>
+          </a:xfrm>
+        </p:spPr>
+        <p:txBody>
+          <a:bodyPr>
+            <a:normAutofit/>
+          </a:bodyPr>
+          <a:lstStyle/>
+          <a:p>
+            <a:pPr algn="ctr"/>
+            <a:r>
+              <a:rPr lang="en-US" dirty="0" smtClean="0"/>
+              <a:t>Face detection with Node and </a:t>
+            </a:r>
+            <a:r>
+              <a:rPr lang="en-US" dirty="0" err="1" smtClean="0"/>
+              <a:t>opencv</a:t>
+            </a:r>
+            <a:endParaRPr lang="en-US" dirty="0"/>
+          </a:p>
+        </p:txBody>
+      </p:sp>
+      <p:sp>
+        <p:nvSpPr>
+          <p:cNvPr id="4" name="Rectangle 3"/>
+          <p:cNvSpPr/>
+          <p:nvPr/>
+        </p:nvSpPr>
+        <p:spPr>
+          <a:xfrm>
+            <a:off x="111598" y="988383"/>
+            <a:ext cx="8756177" cy="461665"/>
+          </a:xfrm>
+          <a:prstGeom prst="rect">
+            <a:avLst/>
+          </a:prstGeom>
+        </p:spPr>
+        <p:txBody>
+          <a:bodyPr wrap="square">
+            <a:spAutoFit/>
+          </a:bodyPr>
+          <a:lstStyle/>
+          <a:p>
+            <a:r>
+              <a:rPr lang="en-US" sz="2400" dirty="0" smtClean="0"/>
+              <a:t>    </a:t>
+            </a:r>
+            <a:endParaRPr lang="en-US" sz="2400" dirty="0"/>
+          </a:p>
+        </p:txBody>
+      </p:sp>
+      <p:pic>
+        <p:nvPicPr>
+          <p:cNvPr id="5" name="Picture 4" descr="mona.png"/>
+          <p:cNvPicPr>
+            <a:picLocks noChangeAspect="1"/>
+          </p:cNvPicPr>
+          <p:nvPr/>
+        </p:nvPicPr>
+        <p:blipFill>
+          <a:blip r:embed="rId2">
+            <a:extLst>
+              <a:ext uri="{28A0092B-C50C-407E-A947-70E740481C1C}">
+                <a14:useLocalDpi xmlns:a14="http://schemas.microsoft.com/office/drawing/2010/main" val="0"/>
+              </a:ext>
+            </a:extLst>
+          </a:blip>
+          <a:stretch>
+            <a:fillRect/>
+          </a:stretch>
+        </p:blipFill>
+        <p:spPr>
+          <a:xfrm>
+            <a:off x="664168" y="988383"/>
+            <a:ext cx="3335276" cy="5042938"/>
+          </a:xfrm>
+          <a:prstGeom prst="rect">
+            <a:avLst/>
+          </a:prstGeom>
+        </p:spPr>
+      </p:pic>
+      <p:pic>
+        <p:nvPicPr>
+          <p:cNvPr id="8" name="Picture 7" descr="detected.png"/>
+          <p:cNvPicPr>
+            <a:picLocks noChangeAspect="1"/>
+          </p:cNvPicPr>
+          <p:nvPr/>
+        </p:nvPicPr>
+        <p:blipFill>
+          <a:blip r:embed="rId3">
+            <a:extLst>
+              <a:ext uri="{28A0092B-C50C-407E-A947-70E740481C1C}">
+                <a14:useLocalDpi xmlns:a14="http://schemas.microsoft.com/office/drawing/2010/main" val="0"/>
+              </a:ext>
+            </a:extLst>
+          </a:blip>
+          <a:stretch>
+            <a:fillRect/>
+          </a:stretch>
+        </p:blipFill>
+        <p:spPr>
+          <a:xfrm>
+            <a:off x="4364259" y="988383"/>
+            <a:ext cx="3335276" cy="5042938"/>
+          </a:xfrm>
+          <a:prstGeom prst="rect">
+            <a:avLst/>
+          </a:prstGeom>
+        </p:spPr>
+      </p:pic>
+    </p:spTree>
+    <p:extLst>
+      <p:ext uri="{BB962C8B-B14F-4D97-AF65-F5344CB8AC3E}">
+        <p14:creationId xmlns:p14="http://schemas.microsoft.com/office/powerpoint/2010/main" val="1333728302"/>
+      </p:ext>
+    </p:extLst>
+  </p:cSld>
+  <p:clrMapOvr>
+    <a:masterClrMapping/>
+  </p:clrMapOvr>
+  <p:timing>
+    <p:tnLst>
+      <p:par>
+        <p:cTn xmlns:p14="http://schemas.microsoft.com/office/powerpoint/2010/main" id="1" dur="indefinite" restart="never" nodeType="tmRoot"/>
+      </p:par>
+    </p:tnLst>
+  </p:timing>
+</p:sld>
+</file>
+
+<file path=ppt/slides/slide13.xml><?xml version="1.0" encoding="utf-8"?>
+<p:sld xmlns:a="http://schemas.openxmlformats.org/drawingml/2006/main" xmlns:r="http://schemas.openxmlformats.org/officeDocument/2006/relationships" xmlns:p="http://schemas.openxmlformats.org/presentationml/2006/main">
+  <p:cSld>
+    <p:spTree>
+      <p:nvGrpSpPr>
+        <p:cNvPr id="1" name=""/>
+        <p:cNvGrpSpPr/>
+        <p:nvPr/>
+      </p:nvGrpSpPr>
+      <p:grpSpPr>
+        <a:xfrm>
+          <a:off x="0" y="0"/>
+          <a:ext cx="0" cy="0"/>
+          <a:chOff x="0" y="0"/>
+          <a:chExt cx="0" cy="0"/>
+        </a:xfrm>
+      </p:grpSpPr>
+      <p:sp>
+        <p:nvSpPr>
+          <p:cNvPr id="2" name="Title 1"/>
+          <p:cNvSpPr>
+            <a:spLocks noGrp="1"/>
+          </p:cNvSpPr>
+          <p:nvPr>
+            <p:ph type="title"/>
+          </p:nvPr>
+        </p:nvSpPr>
+        <p:spPr>
+          <a:xfrm>
+            <a:off x="276225" y="1"/>
+            <a:ext cx="8591550" cy="696382"/>
+          </a:xfrm>
+        </p:spPr>
+        <p:txBody>
+          <a:bodyPr>
+            <a:normAutofit/>
+          </a:bodyPr>
+          <a:lstStyle/>
+          <a:p>
+            <a:pPr algn="ctr"/>
+            <a:r>
+              <a:rPr lang="en-US" dirty="0"/>
               <a:t>Options for performance </a:t>
             </a:r>
           </a:p>
@@ -23143,8 +23908,8 @@
         </p:nvSpPr>
         <p:spPr>
           <a:xfrm>
-            <a:off x="276225" y="1085197"/>
-            <a:ext cx="1750520" cy="369332"/>
+            <a:off x="753273" y="1652616"/>
+            <a:ext cx="8114502" cy="1200329"/>
           </a:xfrm>
           <a:prstGeom prst="rect">
             <a:avLst/>
@@ -23157,11 +23922,25 @@
           </a:bodyPr>
           <a:lstStyle/>
           <a:p>
+            <a:pPr marL="342900" indent="-342900">
+              <a:buAutoNum type="arabicPeriod"/>
+            </a:pPr>
             <a:r>
               <a:rPr lang="en-US" dirty="0" smtClean="0"/>
-              <a:t>Cluster</a:t>
+              <a:t>Use cluster module</a:t>
             </a:r>
+          </a:p>
+          <a:p>
             <a:endParaRPr lang="en-US" dirty="0"/>
+          </a:p>
+          <a:p>
+            <a:endParaRPr lang="en-US" dirty="0" smtClean="0"/>
+          </a:p>
+          <a:p>
+            <a:r>
+              <a:rPr lang="en-US" dirty="0" smtClean="0"/>
+              <a:t>2. http server and image processing are in separate instances of node</a:t>
+            </a:r>
           </a:p>
         </p:txBody>
       </p:sp>
@@ -23185,7 +23964,7 @@
 </p:sld>
 </file>
 
-<file path=ppt/slides/slide11.xml><?xml version="1.0" encoding="utf-8"?>
+<file path=ppt/slides/slide14.xml><?xml version="1.0" encoding="utf-8"?>
 <p:sld xmlns:a="http://schemas.openxmlformats.org/drawingml/2006/main" xmlns:r="http://schemas.openxmlformats.org/officeDocument/2006/relationships" xmlns:p="http://schemas.openxmlformats.org/presentationml/2006/main">
   <p:cSld>
     <p:spTree>
@@ -23270,7 +24049,7 @@
         <p:spPr>
           <a:xfrm>
             <a:off x="276224" y="1085197"/>
-            <a:ext cx="8465805" cy="3416320"/>
+            <a:ext cx="8465805" cy="2585323"/>
           </a:xfrm>
           <a:prstGeom prst="rect">
             <a:avLst/>
@@ -23297,8 +24076,17 @@
             </a:r>
             <a:r>
               <a:rPr lang="en-US" dirty="0" smtClean="0"/>
-              <a:t> (possibly on raspberry-pi and make it open to world)</a:t>
+              <a:t> (possibly on raspberry-pi and make it open </a:t>
             </a:r>
+            <a:r>
+              <a:rPr lang="en-US" dirty="0" smtClean="0"/>
+              <a:t>source</a:t>
+            </a:r>
+            <a:r>
+              <a:rPr lang="en-US" dirty="0" smtClean="0"/>
+              <a:t>)</a:t>
+            </a:r>
+            <a:endParaRPr lang="en-US" dirty="0" smtClean="0"/>
           </a:p>
           <a:p>
             <a:pPr marL="285750" indent="-285750">
@@ -23376,38 +24164,6 @@
               <a:t>iPhoto integration</a:t>
             </a:r>
           </a:p>
-          <a:p>
-            <a:pPr marL="285750" indent="-285750">
-              <a:buFontTx/>
-              <a:buChar char="-"/>
-            </a:pPr>
-            <a:endParaRPr lang="en-US" dirty="0" smtClean="0"/>
-          </a:p>
-          <a:p>
-            <a:pPr marL="285750" indent="-285750">
-              <a:buFontTx/>
-              <a:buChar char="-"/>
-            </a:pPr>
-            <a:r>
-              <a:rPr lang="en-US" dirty="0" smtClean="0"/>
-              <a:t>And finally Impressing my family members by showing </a:t>
-            </a:r>
-            <a:r>
-              <a:rPr lang="en-US" dirty="0" err="1" smtClean="0"/>
-              <a:t>node.js+gm</a:t>
-            </a:r>
-            <a:r>
-              <a:rPr lang="en-US" dirty="0" smtClean="0"/>
-              <a:t> based family album </a:t>
-            </a:r>
-            <a:r>
-              <a:rPr lang="en-US" dirty="0" smtClean="0">
-                <a:sym typeface="Wingdings"/>
-              </a:rPr>
-              <a:t></a:t>
-            </a:r>
-            <a:endParaRPr lang="en-US" dirty="0"/>
-          </a:p>
         </p:txBody>
       </p:sp>
     </p:spTree>
@@ -23423,86 +24179,14 @@
   <p:timing>
     <p:tnLst>
       <p:par>
-        <p:cTn xmlns:p14="http://schemas.microsoft.com/office/powerpoint/2010/main" id="1" dur="indefinite" restart="never" nodeType="tmRoot">
-          <p:childTnLst>
-            <p:seq concurrent="1" nextAc="seek">
-              <p:cTn id="2" dur="indefinite" nodeType="mainSeq">
-                <p:childTnLst>
-                  <p:par>
-                    <p:cTn id="3" fill="hold">
-                      <p:stCondLst>
-                        <p:cond delay="indefinite"/>
-                      </p:stCondLst>
-                      <p:childTnLst>
-                        <p:par>
-                          <p:cTn id="4" fill="hold">
-                            <p:stCondLst>
-                              <p:cond delay="0"/>
-                            </p:stCondLst>
-                            <p:childTnLst>
-                              <p:par>
-                                <p:cTn id="5" presetID="1" presetClass="entr" presetSubtype="0" fill="hold" nodeType="clickEffect">
-                                  <p:stCondLst>
-                                    <p:cond delay="0"/>
-                                  </p:stCondLst>
-                                  <p:childTnLst>
-                                    <p:set>
-                                      <p:cBhvr>
-                                        <p:cTn id="6" dur="1" fill="hold">
-                                          <p:stCondLst>
-                                            <p:cond delay="0"/>
-                                          </p:stCondLst>
-                                        </p:cTn>
-                                        <p:tgtEl>
-                                          <p:spTgt spid="3">
-                                            <p:txEl>
-                                              <p:pRg st="10" end="10"/>
-                                            </p:txEl>
-                                          </p:spTgt>
-                                        </p:tgtEl>
-                                        <p:attrNameLst>
-                                          <p:attrName>style.visibility</p:attrName>
-                                        </p:attrNameLst>
-                                      </p:cBhvr>
-                                      <p:to>
-                                        <p:strVal val="visible"/>
-                                      </p:to>
-                                    </p:set>
-                                  </p:childTnLst>
-                                </p:cTn>
-                              </p:par>
-                            </p:childTnLst>
-                          </p:cTn>
-                        </p:par>
-                      </p:childTnLst>
-                    </p:cTn>
-                  </p:par>
-                </p:childTnLst>
-              </p:cTn>
-              <p:prevCondLst>
-                <p:cond evt="onPrev" delay="0">
-                  <p:tgtEl>
-                    <p:sldTgt/>
-                  </p:tgtEl>
-                </p:cond>
-              </p:prevCondLst>
-              <p:nextCondLst>
-                <p:cond evt="onNext" delay="0">
-                  <p:tgtEl>
-                    <p:sldTgt/>
-                  </p:tgtEl>
-                </p:cond>
-              </p:nextCondLst>
-            </p:seq>
-          </p:childTnLst>
-        </p:cTn>
+        <p:cTn xmlns:p14="http://schemas.microsoft.com/office/powerpoint/2010/main" id="1" dur="indefinite" restart="never" nodeType="tmRoot"/>
       </p:par>
     </p:tnLst>
   </p:timing>
 </p:sld>
 </file>
 
-<file path=ppt/slides/slide12.xml><?xml version="1.0" encoding="utf-8"?>
+<file path=ppt/slides/slide15.xml><?xml version="1.0" encoding="utf-8"?>
 <p:sld xmlns:a="http://schemas.openxmlformats.org/drawingml/2006/main" xmlns:r="http://schemas.openxmlformats.org/officeDocument/2006/relationships" xmlns:p="http://schemas.openxmlformats.org/presentationml/2006/main">
   <p:cSld>
     <p:spTree>
@@ -23590,8 +24274,8 @@
         </p:nvSpPr>
         <p:spPr>
           <a:xfrm>
-            <a:off x="276225" y="4813880"/>
-            <a:ext cx="8591550" cy="1815882"/>
+            <a:off x="276225" y="3706063"/>
+            <a:ext cx="8591550" cy="2246769"/>
           </a:xfrm>
           <a:prstGeom prst="rect">
             <a:avLst/>
@@ -23615,7 +24299,15 @@
             </a:r>
             <a:r>
               <a:rPr lang="en-US" sz="2800" dirty="0" err="1" smtClean="0"/>
-              <a:t>amit.singhai@samsung.com</a:t>
+              <a:t>amitsinghai.jain@</a:t>
+            </a:r>
+            <a:r>
+              <a:rPr lang="en-US" sz="2800" dirty="0" err="1" smtClean="0"/>
+              <a:t>gmail</a:t>
+            </a:r>
+            <a:r>
+              <a:rPr lang="en-US" sz="2800" dirty="0" err="1" smtClean="0"/>
+              <a:t>.com</a:t>
             </a:r>
             <a:endParaRPr lang="en-US" sz="2800" dirty="0" smtClean="0"/>
           </a:p>
@@ -23638,6 +24330,9 @@
               <a:rPr lang="en-US" sz="2800" dirty="0" err="1" smtClean="0"/>
               <a:t>amuxtux</a:t>
             </a:r>
+            <a:endParaRPr lang="en-US" sz="2800" dirty="0" smtClean="0"/>
+          </a:p>
+          <a:p>
             <a:endParaRPr lang="en-US" sz="2800" dirty="0"/>
           </a:p>
           <a:p>
@@ -23738,11 +24433,7 @@
           <a:p>
             <a:r>
               <a:rPr lang="en-US" b="1" dirty="0" smtClean="0"/>
-              <a:t> Pre</a:t>
-            </a:r>
-            <a:r>
-              <a:rPr lang="en-US" b="1" dirty="0" smtClean="0"/>
-              <a:t>-requisites before proceeding further </a:t>
+              <a:t> Pre-requisites before proceeding further </a:t>
             </a:r>
           </a:p>
           <a:p>
@@ -23782,12 +24473,14 @@
           </a:p>
           <a:p>
             <a:r>
-              <a:rPr lang="en-US" b="1" dirty="0"/>
-              <a:t> </a:t>
+              <a:rPr lang="en-US" b="1" dirty="0" smtClean="0"/>
+              <a:t> Face Detection </a:t>
             </a:r>
+          </a:p>
+          <a:p>
             <a:r>
               <a:rPr lang="en-US" b="1" dirty="0" smtClean="0"/>
-              <a:t>Options for performance </a:t>
+              <a:t> Options for performance </a:t>
             </a:r>
           </a:p>
           <a:p>
@@ -24027,7 +24720,7 @@
             <a:pPr algn="ctr"/>
             <a:r>
               <a:rPr lang="en-US" dirty="0" smtClean="0"/>
-              <a:t>Pre-requisite </a:t>
+              <a:t>Pre-requisites </a:t>
             </a:r>
             <a:endParaRPr lang="en-US" dirty="0"/>
           </a:p>
@@ -24041,8 +24734,8 @@
         </p:nvSpPr>
         <p:spPr>
           <a:xfrm>
-            <a:off x="111598" y="988383"/>
-            <a:ext cx="8756177" cy="2308324"/>
+            <a:off x="111598" y="739068"/>
+            <a:ext cx="8756177" cy="3046988"/>
           </a:xfrm>
           <a:prstGeom prst="rect">
             <a:avLst/>
@@ -24066,6 +24759,36 @@
             </a:r>
             <a:r>
               <a:rPr lang="en-US" sz="2400" dirty="0" smtClean="0"/>
+              <a:t>   - Created by Ryan Dahl in 2009</a:t>
+            </a:r>
+          </a:p>
+          <a:p>
+            <a:r>
+              <a:rPr lang="en-US" sz="2400" dirty="0"/>
+              <a:t> </a:t>
+            </a:r>
+            <a:r>
+              <a:rPr lang="en-US" sz="2400" dirty="0" smtClean="0"/>
+              <a:t>   - Its open source</a:t>
+            </a:r>
+          </a:p>
+          <a:p>
+            <a:r>
+              <a:rPr lang="en-US" sz="2400" dirty="0"/>
+              <a:t> </a:t>
+            </a:r>
+            <a:r>
+              <a:rPr lang="en-US" sz="2400" dirty="0" smtClean="0"/>
+              <a:t>   - Runs on Google V8</a:t>
+            </a:r>
+          </a:p>
+          <a:p>
+            <a:r>
+              <a:rPr lang="en-US" sz="2400" dirty="0"/>
+              <a:t> </a:t>
+            </a:r>
+            <a:r>
+              <a:rPr lang="en-US" sz="2400" dirty="0" smtClean="0"/>
               <a:t>   - Server side Java Script</a:t>
             </a:r>
           </a:p>
@@ -24078,9 +24801,6 @@
               <a:rPr lang="en-US" sz="2400" dirty="0" smtClean="0"/>
               <a:t>   - Event based IO</a:t>
             </a:r>
-          </a:p>
-          <a:p>
-            <a:endParaRPr lang="en-US" sz="2400" dirty="0" smtClean="0"/>
           </a:p>
           <a:p>
             <a:r>
@@ -24100,110 +24820,54 @@
           </a:p>
         </p:txBody>
       </p:sp>
-      <p:sp>
-        <p:nvSpPr>
-          <p:cNvPr id="3" name="Rectangle 2"/>
-          <p:cNvSpPr/>
+      <p:pic>
+        <p:nvPicPr>
+          <p:cNvPr id="5" name="Picture 4"/>
+          <p:cNvPicPr>
+            <a:picLocks noChangeAspect="1"/>
+          </p:cNvPicPr>
           <p:nvPr/>
-        </p:nvSpPr>
+        </p:nvPicPr>
+        <p:blipFill>
+          <a:blip r:embed="rId2"/>
+          <a:stretch>
+            <a:fillRect/>
+          </a:stretch>
+        </p:blipFill>
         <p:spPr>
           <a:xfrm>
-            <a:off x="584862" y="5103673"/>
-            <a:ext cx="7677026" cy="1754327"/>
+            <a:off x="4985794" y="4256673"/>
+            <a:ext cx="3360827" cy="1465442"/>
           </a:xfrm>
           <a:prstGeom prst="rect">
             <a:avLst/>
           </a:prstGeom>
-          <a:noFill/>
         </p:spPr>
-        <p:txBody>
-          <a:bodyPr wrap="none" lIns="91440" tIns="45720" rIns="91440" bIns="45720">
-            <a:spAutoFit/>
-          </a:bodyPr>
-          <a:lstStyle/>
-          <a:p>
-            <a:pPr algn="ctr"/>
-            <a:r>
-              <a:rPr lang="en-US" sz="5400" b="1" cap="none" spc="0" dirty="0" smtClean="0">
-                <a:ln w="12700">
-                  <a:solidFill>
-                    <a:schemeClr val="tx2">
-                      <a:satMod val="155000"/>
-                    </a:schemeClr>
-                  </a:solidFill>
-                  <a:prstDash val="solid"/>
-                </a:ln>
-                <a:solidFill>
-                  <a:schemeClr val="bg2">
-                    <a:tint val="85000"/>
-                    <a:satMod val="155000"/>
-                  </a:schemeClr>
-                </a:solidFill>
-                <a:effectLst>
-                  <a:outerShdw blurRad="41275" dist="20320" dir="1800000" algn="tl" rotWithShape="0">
-                    <a:srgbClr val="000000">
-                      <a:alpha val="40000"/>
-                    </a:srgbClr>
-                  </a:outerShdw>
-                </a:effectLst>
-              </a:rPr>
-              <a:t>Lets Have some hands-on</a:t>
-            </a:r>
-          </a:p>
-          <a:p>
-            <a:pPr algn="ctr"/>
-            <a:r>
-              <a:rPr lang="en-US" sz="5400" b="1" dirty="0" smtClean="0">
-                <a:ln w="12700">
-                  <a:solidFill>
-                    <a:schemeClr val="tx2">
-                      <a:satMod val="155000"/>
-                    </a:schemeClr>
-                  </a:solidFill>
-                  <a:prstDash val="solid"/>
-                </a:ln>
-                <a:solidFill>
-                  <a:schemeClr val="bg2">
-                    <a:tint val="85000"/>
-                    <a:satMod val="155000"/>
-                  </a:schemeClr>
-                </a:solidFill>
-                <a:effectLst>
-                  <a:outerShdw blurRad="41275" dist="20320" dir="1800000" algn="tl" rotWithShape="0">
-                    <a:srgbClr val="000000">
-                      <a:alpha val="40000"/>
-                    </a:srgbClr>
-                  </a:outerShdw>
-                </a:effectLst>
-              </a:rPr>
-              <a:t>With Node.js</a:t>
-            </a:r>
-            <a:endParaRPr lang="en-US" sz="5400" b="1" cap="none" spc="0" dirty="0">
-              <a:ln w="12700">
-                <a:solidFill>
-                  <a:schemeClr val="tx2">
-                    <a:satMod val="155000"/>
-                  </a:schemeClr>
-                </a:solidFill>
-                <a:prstDash val="solid"/>
-              </a:ln>
-              <a:solidFill>
-                <a:schemeClr val="bg2">
-                  <a:tint val="85000"/>
-                  <a:satMod val="155000"/>
-                </a:schemeClr>
-              </a:solidFill>
-              <a:effectLst>
-                <a:outerShdw blurRad="41275" dist="20320" dir="1800000" algn="tl" rotWithShape="0">
-                  <a:srgbClr val="000000">
-                    <a:alpha val="40000"/>
-                  </a:srgbClr>
-                </a:outerShdw>
-              </a:effectLst>
-            </a:endParaRPr>
-          </a:p>
-        </p:txBody>
-      </p:sp>
+      </p:pic>
+      <p:pic>
+        <p:nvPicPr>
+          <p:cNvPr id="6" name="Picture 5"/>
+          <p:cNvPicPr>
+            <a:picLocks noChangeAspect="1"/>
+          </p:cNvPicPr>
+          <p:nvPr/>
+        </p:nvPicPr>
+        <p:blipFill>
+          <a:blip r:embed="rId3"/>
+          <a:stretch>
+            <a:fillRect/>
+          </a:stretch>
+        </p:blipFill>
+        <p:spPr>
+          <a:xfrm>
+            <a:off x="816691" y="4351243"/>
+            <a:ext cx="3037646" cy="1184565"/>
+          </a:xfrm>
+          <a:prstGeom prst="rect">
+            <a:avLst/>
+          </a:prstGeom>
+        </p:spPr>
+      </p:pic>
     </p:spTree>
     <p:extLst>
       <p:ext uri="{BB962C8B-B14F-4D97-AF65-F5344CB8AC3E}">
@@ -24225,6 +24889,73 @@
 </file>
 
 <file path=ppt/slides/slide5.xml><?xml version="1.0" encoding="utf-8"?>
+<p:sld xmlns:a="http://schemas.openxmlformats.org/drawingml/2006/main" xmlns:r="http://schemas.openxmlformats.org/officeDocument/2006/relationships" xmlns:p="http://schemas.openxmlformats.org/presentationml/2006/main">
+  <p:cSld>
+    <p:spTree>
+      <p:nvGrpSpPr>
+        <p:cNvPr id="1" name=""/>
+        <p:cNvGrpSpPr/>
+        <p:nvPr/>
+      </p:nvGrpSpPr>
+      <p:grpSpPr>
+        <a:xfrm>
+          <a:off x="0" y="0"/>
+          <a:ext cx="0" cy="0"/>
+          <a:chOff x="0" y="0"/>
+          <a:chExt cx="0" cy="0"/>
+        </a:xfrm>
+      </p:grpSpPr>
+      <p:pic>
+        <p:nvPicPr>
+          <p:cNvPr id="6" name="Picture 5" descr="Screen Shot 2012-12-09 at 7.52.06 PM.png"/>
+          <p:cNvPicPr>
+            <a:picLocks noChangeAspect="1"/>
+          </p:cNvPicPr>
+          <p:nvPr/>
+        </p:nvPicPr>
+        <p:blipFill>
+          <a:blip r:embed="rId2">
+            <a:extLst>
+              <a:ext uri="{28A0092B-C50C-407E-A947-70E740481C1C}">
+                <a14:useLocalDpi xmlns:a14="http://schemas.microsoft.com/office/drawing/2010/main" val="0"/>
+              </a:ext>
+            </a:extLst>
+          </a:blip>
+          <a:stretch>
+            <a:fillRect/>
+          </a:stretch>
+        </p:blipFill>
+        <p:spPr>
+          <a:xfrm>
+            <a:off x="689094" y="553909"/>
+            <a:ext cx="8052936" cy="5796843"/>
+          </a:xfrm>
+          <a:prstGeom prst="rect">
+            <a:avLst/>
+          </a:prstGeom>
+        </p:spPr>
+      </p:pic>
+    </p:spTree>
+    <p:extLst>
+      <p:ext uri="{BB962C8B-B14F-4D97-AF65-F5344CB8AC3E}">
+        <p14:creationId xmlns:p14="http://schemas.microsoft.com/office/powerpoint/2010/main" val="298602838"/>
+      </p:ext>
+    </p:extLst>
+  </p:cSld>
+  <p:clrMapOvr>
+    <a:masterClrMapping/>
+  </p:clrMapOvr>
+  <p:timing>
+    <p:tnLst>
+      <p:par>
+        <p:cTn xmlns:p14="http://schemas.microsoft.com/office/powerpoint/2010/main" id="1" dur="indefinite" restart="never" nodeType="tmRoot"/>
+      </p:par>
+    </p:tnLst>
+  </p:timing>
+</p:sld>
+</file>
+
+<file path=ppt/slides/slide6.xml><?xml version="1.0" encoding="utf-8"?>
 <p:sld xmlns:a="http://schemas.openxmlformats.org/drawingml/2006/main" xmlns:r="http://schemas.openxmlformats.org/officeDocument/2006/relationships" xmlns:p="http://schemas.openxmlformats.org/presentationml/2006/main">
   <p:cSld>
     <p:spTree>
@@ -24455,7 +25186,7 @@
 </p:sld>
 </file>
 
-<file path=ppt/slides/slide6.xml><?xml version="1.0" encoding="utf-8"?>
+<file path=ppt/slides/slide7.xml><?xml version="1.0" encoding="utf-8"?>
 <p:sld xmlns:a="http://schemas.openxmlformats.org/drawingml/2006/main" xmlns:r="http://schemas.openxmlformats.org/officeDocument/2006/relationships" xmlns:p="http://schemas.openxmlformats.org/presentationml/2006/main">
   <p:cSld>
     <p:spTree>
@@ -24687,7 +25418,7 @@
 </p:sld>
 </file>
 
-<file path=ppt/slides/slide7.xml><?xml version="1.0" encoding="utf-8"?>
+<file path=ppt/slides/slide8.xml><?xml version="1.0" encoding="utf-8"?>
 <p:sld xmlns:a="http://schemas.openxmlformats.org/drawingml/2006/main" xmlns:r="http://schemas.openxmlformats.org/officeDocument/2006/relationships" xmlns:p="http://schemas.openxmlformats.org/presentationml/2006/main">
   <p:cSld>
     <p:spTree>
@@ -24933,7 +25664,7 @@
 </p:sld>
 </file>
 
-<file path=ppt/slides/slide8.xml><?xml version="1.0" encoding="utf-8"?>
+<file path=ppt/slides/slide9.xml><?xml version="1.0" encoding="utf-8"?>
 <p:sld xmlns:a="http://schemas.openxmlformats.org/drawingml/2006/main" xmlns:r="http://schemas.openxmlformats.org/officeDocument/2006/relationships" xmlns:p="http://schemas.openxmlformats.org/presentationml/2006/main">
   <p:cSld>
     <p:spTree>
@@ -25152,211 +25883,6 @@
     <p:extLst>
       <p:ext uri="{BB962C8B-B14F-4D97-AF65-F5344CB8AC3E}">
         <p14:creationId xmlns:p14="http://schemas.microsoft.com/office/powerpoint/2010/main" val="1314742169"/>
-      </p:ext>
-    </p:extLst>
-  </p:cSld>
-  <p:clrMapOvr>
-    <a:masterClrMapping/>
-  </p:clrMapOvr>
-  <p:timing>
-    <p:tnLst>
-      <p:par>
-        <p:cTn xmlns:p14="http://schemas.microsoft.com/office/powerpoint/2010/main" id="1" dur="indefinite" restart="never" nodeType="tmRoot"/>
-      </p:par>
-    </p:tnLst>
-  </p:timing>
-</p:sld>
-</file>
-
-<file path=ppt/slides/slide9.xml><?xml version="1.0" encoding="utf-8"?>
-<p:sld xmlns:a="http://schemas.openxmlformats.org/drawingml/2006/main" xmlns:r="http://schemas.openxmlformats.org/officeDocument/2006/relationships" xmlns:p="http://schemas.openxmlformats.org/presentationml/2006/main">
-  <p:cSld>
-    <p:spTree>
-      <p:nvGrpSpPr>
-        <p:cNvPr id="1" name=""/>
-        <p:cNvGrpSpPr/>
-        <p:nvPr/>
-      </p:nvGrpSpPr>
-      <p:grpSpPr>
-        <a:xfrm>
-          <a:off x="0" y="0"/>
-          <a:ext cx="0" cy="0"/>
-          <a:chOff x="0" y="0"/>
-          <a:chExt cx="0" cy="0"/>
-        </a:xfrm>
-      </p:grpSpPr>
-      <p:sp>
-        <p:nvSpPr>
-          <p:cNvPr id="2" name="Title 1"/>
-          <p:cNvSpPr>
-            <a:spLocks noGrp="1"/>
-          </p:cNvSpPr>
-          <p:nvPr>
-            <p:ph type="title"/>
-          </p:nvPr>
-        </p:nvSpPr>
-        <p:spPr>
-          <a:xfrm>
-            <a:off x="276225" y="1"/>
-            <a:ext cx="8591550" cy="696382"/>
-          </a:xfrm>
-        </p:spPr>
-        <p:txBody>
-          <a:bodyPr>
-            <a:normAutofit/>
-          </a:bodyPr>
-          <a:lstStyle/>
-          <a:p>
-            <a:pPr algn="ctr"/>
-            <a:r>
-              <a:rPr lang="en-US" dirty="0"/>
-              <a:t>Adding real time features with </a:t>
-            </a:r>
-            <a:r>
-              <a:rPr lang="en-US" dirty="0" err="1"/>
-              <a:t>now.js</a:t>
-            </a:r>
-            <a:endParaRPr lang="en-US" dirty="0"/>
-          </a:p>
-        </p:txBody>
-      </p:sp>
-      <p:sp>
-        <p:nvSpPr>
-          <p:cNvPr id="4" name="Rectangle 3"/>
-          <p:cNvSpPr/>
-          <p:nvPr/>
-        </p:nvSpPr>
-        <p:spPr>
-          <a:xfrm>
-            <a:off x="111598" y="988383"/>
-            <a:ext cx="8756177" cy="461665"/>
-          </a:xfrm>
-          <a:prstGeom prst="rect">
-            <a:avLst/>
-          </a:prstGeom>
-        </p:spPr>
-        <p:txBody>
-          <a:bodyPr wrap="square">
-            <a:spAutoFit/>
-          </a:bodyPr>
-          <a:lstStyle/>
-          <a:p>
-            <a:r>
-              <a:rPr lang="en-US" sz="2400" dirty="0" smtClean="0"/>
-              <a:t>    </a:t>
-            </a:r>
-            <a:endParaRPr lang="en-US" sz="2400" dirty="0"/>
-          </a:p>
-        </p:txBody>
-      </p:sp>
-      <p:sp>
-        <p:nvSpPr>
-          <p:cNvPr id="5" name="Rectangle 4"/>
-          <p:cNvSpPr/>
-          <p:nvPr/>
-        </p:nvSpPr>
-        <p:spPr>
-          <a:xfrm>
-            <a:off x="584862" y="5103673"/>
-            <a:ext cx="7677026" cy="1754327"/>
-          </a:xfrm>
-          <a:prstGeom prst="rect">
-            <a:avLst/>
-          </a:prstGeom>
-          <a:noFill/>
-        </p:spPr>
-        <p:txBody>
-          <a:bodyPr wrap="none" lIns="91440" tIns="45720" rIns="91440" bIns="45720">
-            <a:spAutoFit/>
-          </a:bodyPr>
-          <a:lstStyle/>
-          <a:p>
-            <a:pPr algn="ctr"/>
-            <a:r>
-              <a:rPr lang="en-US" sz="5400" b="1" cap="none" spc="0" dirty="0" smtClean="0">
-                <a:ln w="12700">
-                  <a:solidFill>
-                    <a:schemeClr val="tx2">
-                      <a:satMod val="155000"/>
-                    </a:schemeClr>
-                  </a:solidFill>
-                  <a:prstDash val="solid"/>
-                </a:ln>
-                <a:solidFill>
-                  <a:schemeClr val="bg2">
-                    <a:tint val="85000"/>
-                    <a:satMod val="155000"/>
-                  </a:schemeClr>
-                </a:solidFill>
-                <a:effectLst>
-                  <a:outerShdw blurRad="41275" dist="20320" dir="1800000" algn="tl" rotWithShape="0">
-                    <a:srgbClr val="000000">
-                      <a:alpha val="40000"/>
-                    </a:srgbClr>
-                  </a:outerShdw>
-                </a:effectLst>
-              </a:rPr>
-              <a:t>Lets Have some hands-on</a:t>
-            </a:r>
-          </a:p>
-          <a:p>
-            <a:pPr algn="ctr"/>
-            <a:r>
-              <a:rPr lang="en-US" sz="5400" b="1" dirty="0" smtClean="0">
-                <a:ln w="12700">
-                  <a:solidFill>
-                    <a:schemeClr val="tx2">
-                      <a:satMod val="155000"/>
-                    </a:schemeClr>
-                  </a:solidFill>
-                  <a:prstDash val="solid"/>
-                </a:ln>
-                <a:solidFill>
-                  <a:schemeClr val="bg2">
-                    <a:tint val="85000"/>
-                    <a:satMod val="155000"/>
-                  </a:schemeClr>
-                </a:solidFill>
-                <a:effectLst>
-                  <a:outerShdw blurRad="41275" dist="20320" dir="1800000" algn="tl" rotWithShape="0">
-                    <a:srgbClr val="000000">
-                      <a:alpha val="40000"/>
-                    </a:srgbClr>
-                  </a:outerShdw>
-                </a:effectLst>
-              </a:rPr>
-              <a:t>Coding</a:t>
-            </a:r>
-            <a:endParaRPr lang="en-US" sz="5400" b="1" cap="none" spc="0" dirty="0">
-              <a:ln w="12700">
-                <a:solidFill>
-                  <a:schemeClr val="tx2">
-                    <a:satMod val="155000"/>
-                  </a:schemeClr>
-                </a:solidFill>
-                <a:prstDash val="solid"/>
-              </a:ln>
-              <a:solidFill>
-                <a:schemeClr val="bg2">
-                  <a:tint val="85000"/>
-                  <a:satMod val="155000"/>
-                </a:schemeClr>
-              </a:solidFill>
-              <a:effectLst>
-                <a:outerShdw blurRad="41275" dist="20320" dir="1800000" algn="tl" rotWithShape="0">
-                  <a:srgbClr val="000000">
-                    <a:alpha val="40000"/>
-                  </a:srgbClr>
-                </a:outerShdw>
-              </a:effectLst>
-            </a:endParaRPr>
-          </a:p>
-        </p:txBody>
-      </p:sp>
-    </p:spTree>
-    <p:extLst>
-      <p:ext uri="{BB962C8B-B14F-4D97-AF65-F5344CB8AC3E}">
-        <p14:creationId xmlns:p14="http://schemas.microsoft.com/office/powerpoint/2010/main" val="3414000928"/>
       </p:ext>
     </p:extLst>
   </p:cSld>

--- a/ImageManipulationWorkshop-Amit.pptx
+++ b/ImageManipulationWorkshop-Amit.pptx
@@ -23939,7 +23939,15 @@
           <a:p>
             <a:r>
               <a:rPr lang="en-US" dirty="0" smtClean="0"/>
-              <a:t>2. http server and image processing are in separate instances of node</a:t>
+              <a:t>2. </a:t>
+            </a:r>
+            <a:r>
+              <a:rPr lang="en-US" dirty="0" smtClean="0"/>
+              <a:t>   http </a:t>
+            </a:r>
+            <a:r>
+              <a:rPr lang="en-US" dirty="0" smtClean="0"/>
+              <a:t>server and image processing are in separate instances of node</a:t>
             </a:r>
           </a:p>
         </p:txBody>
@@ -24005,9 +24013,10 @@
           <a:p>
             <a:pPr algn="ctr"/>
             <a:r>
-              <a:rPr lang="en-US" dirty="0"/>
-              <a:t>Future work</a:t>
+              <a:rPr lang="en-US" dirty="0" smtClean="0"/>
+              <a:t>Ideas for Further enhancements</a:t>
             </a:r>
+            <a:endParaRPr lang="en-US" dirty="0"/>
           </a:p>
         </p:txBody>
       </p:sp>
@@ -24076,17 +24085,8 @@
             </a:r>
             <a:r>
               <a:rPr lang="en-US" dirty="0" smtClean="0"/>
-              <a:t> (possibly on raspberry-pi and make it open </a:t>
+              <a:t> (possibly on raspberry-pi and make it open source)</a:t>
             </a:r>
-            <a:r>
-              <a:rPr lang="en-US" dirty="0" smtClean="0"/>
-              <a:t>source</a:t>
-            </a:r>
-            <a:r>
-              <a:rPr lang="en-US" dirty="0" smtClean="0"/>
-              <a:t>)</a:t>
-            </a:r>
-            <a:endParaRPr lang="en-US" dirty="0" smtClean="0"/>
           </a:p>
           <a:p>
             <a:pPr marL="285750" indent="-285750">
@@ -24295,21 +24295,8 @@
           <a:p>
             <a:r>
               <a:rPr lang="en-US" sz="2800" dirty="0" smtClean="0"/>
-              <a:t>Mail:    </a:t>
+              <a:t>Mail:    amitsinghai.jain@gmail.com</a:t>
             </a:r>
-            <a:r>
-              <a:rPr lang="en-US" sz="2800" dirty="0" err="1" smtClean="0"/>
-              <a:t>amitsinghai.jain@</a:t>
-            </a:r>
-            <a:r>
-              <a:rPr lang="en-US" sz="2800" dirty="0" err="1" smtClean="0"/>
-              <a:t>gmail</a:t>
-            </a:r>
-            <a:r>
-              <a:rPr lang="en-US" sz="2800" dirty="0" err="1" smtClean="0"/>
-              <a:t>.com</a:t>
-            </a:r>
-            <a:endParaRPr lang="en-US" sz="2800" dirty="0" smtClean="0"/>
           </a:p>
           <a:p>
             <a:r>
@@ -24324,13 +24311,8 @@
           <a:p>
             <a:r>
               <a:rPr lang="en-US" sz="2800" dirty="0" smtClean="0"/>
-              <a:t>Code:  http://github.com/</a:t>
+              <a:t>Code:  http://github.com/amuxtux</a:t>
             </a:r>
-            <a:r>
-              <a:rPr lang="en-US" sz="2800" dirty="0" err="1" smtClean="0"/>
-              <a:t>amuxtux</a:t>
-            </a:r>
-            <a:endParaRPr lang="en-US" sz="2800" dirty="0" smtClean="0"/>
           </a:p>
           <a:p>
             <a:endParaRPr lang="en-US" sz="2800" dirty="0"/>
@@ -24433,7 +24415,21 @@
           <a:p>
             <a:r>
               <a:rPr lang="en-US" b="1" dirty="0" smtClean="0"/>
-              <a:t> Pre-requisites before proceeding further </a:t>
+              <a:t> </a:t>
+            </a:r>
+            <a:r>
+              <a:rPr lang="en-US" b="1" dirty="0" smtClean="0"/>
+              <a:t>Inspiration behind this stuff</a:t>
+            </a:r>
+          </a:p>
+          <a:p>
+            <a:r>
+              <a:rPr lang="en-US" b="1" dirty="0" smtClean="0"/>
+              <a:t>Pre</a:t>
+            </a:r>
+            <a:r>
+              <a:rPr lang="en-US" b="1" dirty="0" smtClean="0"/>
+              <a:t>-requisites before proceeding further </a:t>
             </a:r>
           </a:p>
           <a:p>
@@ -24574,7 +24570,7 @@
         </p:nvSpPr>
         <p:spPr>
           <a:xfrm>
-            <a:off x="1364847" y="2826493"/>
+            <a:off x="1364847" y="3758682"/>
             <a:ext cx="5722308" cy="2744566"/>
           </a:xfrm>
         </p:spPr>
@@ -24625,7 +24621,7 @@
         <p:spPr>
           <a:xfrm>
             <a:off x="276224" y="1192243"/>
-            <a:ext cx="8176471" cy="1446550"/>
+            <a:ext cx="8176471" cy="2462212"/>
           </a:xfrm>
           <a:prstGeom prst="rect">
             <a:avLst/>
@@ -24645,6 +24641,27 @@
               <a:rPr lang="en-US" sz="2200" dirty="0" smtClean="0"/>
               <a:t>.</a:t>
             </a:r>
+          </a:p>
+          <a:p>
+            <a:endParaRPr lang="en-US" sz="2200" dirty="0"/>
+          </a:p>
+          <a:p>
+            <a:r>
+              <a:rPr lang="en-US" sz="2200" dirty="0" smtClean="0"/>
+              <a:t>Using </a:t>
+            </a:r>
+            <a:r>
+              <a:rPr lang="en-US" sz="2200" dirty="0" err="1" smtClean="0"/>
+              <a:t>Opencv</a:t>
+            </a:r>
+            <a:r>
+              <a:rPr lang="en-US" sz="2200" dirty="0" smtClean="0"/>
+              <a:t> for little more fun.</a:t>
+            </a:r>
+            <a:endParaRPr lang="en-US" sz="2200" dirty="0" smtClean="0"/>
+          </a:p>
+          <a:p>
+            <a:endParaRPr lang="en-US" sz="2200" dirty="0" smtClean="0"/>
           </a:p>
           <a:p>
             <a:endParaRPr lang="en-US" sz="2200" dirty="0"/>
@@ -25522,10 +25539,9 @@
               <a:buChar char="-"/>
             </a:pPr>
             <a:r>
-              <a:rPr lang="en-US" sz="2400" smtClean="0"/>
+              <a:rPr lang="en-US" sz="2400" dirty="0" smtClean="0"/>
               <a:t>Format conversion </a:t>
             </a:r>
-            <a:endParaRPr lang="en-US" sz="2400" dirty="0" smtClean="0"/>
           </a:p>
           <a:p>
             <a:r>

--- a/ImageManipulationWorkshop-Amit.pptx
+++ b/ImageManipulationWorkshop-Amit.pptx
@@ -8,18 +8,19 @@
     <p:sldId id="256" r:id="rId2"/>
     <p:sldId id="257" r:id="rId3"/>
     <p:sldId id="258" r:id="rId4"/>
-    <p:sldId id="260" r:id="rId5"/>
-    <p:sldId id="269" r:id="rId6"/>
-    <p:sldId id="261" r:id="rId7"/>
-    <p:sldId id="262" r:id="rId8"/>
-    <p:sldId id="263" r:id="rId9"/>
-    <p:sldId id="264" r:id="rId10"/>
-    <p:sldId id="265" r:id="rId11"/>
-    <p:sldId id="270" r:id="rId12"/>
-    <p:sldId id="271" r:id="rId13"/>
-    <p:sldId id="266" r:id="rId14"/>
-    <p:sldId id="267" r:id="rId15"/>
-    <p:sldId id="268" r:id="rId16"/>
+    <p:sldId id="272" r:id="rId5"/>
+    <p:sldId id="260" r:id="rId6"/>
+    <p:sldId id="269" r:id="rId7"/>
+    <p:sldId id="261" r:id="rId8"/>
+    <p:sldId id="262" r:id="rId9"/>
+    <p:sldId id="263" r:id="rId10"/>
+    <p:sldId id="264" r:id="rId11"/>
+    <p:sldId id="265" r:id="rId12"/>
+    <p:sldId id="270" r:id="rId13"/>
+    <p:sldId id="271" r:id="rId14"/>
+    <p:sldId id="266" r:id="rId15"/>
+    <p:sldId id="267" r:id="rId16"/>
+    <p:sldId id="268" r:id="rId17"/>
   </p:sldIdLst>
   <p:sldSz cx="9144000" cy="6858000" type="screen4x3"/>
   <p:notesSz cx="6858000" cy="9144000"/>
@@ -23103,6 +23104,241 @@
           <a:p>
             <a:pPr algn="ctr"/>
             <a:r>
+              <a:rPr lang="en-US" dirty="0" smtClean="0"/>
+              <a:t>Hands on session – Advanced</a:t>
+            </a:r>
+            <a:endParaRPr lang="en-US" dirty="0"/>
+          </a:p>
+        </p:txBody>
+      </p:sp>
+      <p:sp>
+        <p:nvSpPr>
+          <p:cNvPr id="4" name="Rectangle 3"/>
+          <p:cNvSpPr/>
+          <p:nvPr/>
+        </p:nvSpPr>
+        <p:spPr>
+          <a:xfrm>
+            <a:off x="111598" y="988383"/>
+            <a:ext cx="8756177" cy="1569660"/>
+          </a:xfrm>
+          <a:prstGeom prst="rect">
+            <a:avLst/>
+          </a:prstGeom>
+        </p:spPr>
+        <p:txBody>
+          <a:bodyPr wrap="square">
+            <a:spAutoFit/>
+          </a:bodyPr>
+          <a:lstStyle/>
+          <a:p>
+            <a:pPr marL="342900" indent="-342900">
+              <a:buFontTx/>
+              <a:buChar char="-"/>
+            </a:pPr>
+            <a:r>
+              <a:rPr lang="en-US" sz="2400" dirty="0" smtClean="0"/>
+              <a:t>Effects</a:t>
+            </a:r>
+          </a:p>
+          <a:p>
+            <a:pPr marL="342900" indent="-342900">
+              <a:buFontTx/>
+              <a:buChar char="-"/>
+            </a:pPr>
+            <a:r>
+              <a:rPr lang="en-US" sz="2400" dirty="0" smtClean="0"/>
+              <a:t>Transformations</a:t>
+            </a:r>
+          </a:p>
+          <a:p>
+            <a:pPr marL="342900" indent="-342900">
+              <a:buFontTx/>
+              <a:buChar char="-"/>
+            </a:pPr>
+            <a:r>
+              <a:rPr lang="en-US" sz="2400" dirty="0" smtClean="0"/>
+              <a:t>Thumbnail generation</a:t>
+            </a:r>
+          </a:p>
+          <a:p>
+            <a:r>
+              <a:rPr lang="en-US" sz="2400" dirty="0"/>
+              <a:t> </a:t>
+            </a:r>
+            <a:r>
+              <a:rPr lang="en-US" sz="2400" dirty="0" smtClean="0"/>
+              <a:t>   </a:t>
+            </a:r>
+            <a:endParaRPr lang="en-US" sz="2400" dirty="0"/>
+          </a:p>
+        </p:txBody>
+      </p:sp>
+      <p:sp>
+        <p:nvSpPr>
+          <p:cNvPr id="5" name="Rectangle 4"/>
+          <p:cNvSpPr/>
+          <p:nvPr/>
+        </p:nvSpPr>
+        <p:spPr>
+          <a:xfrm>
+            <a:off x="584862" y="5103673"/>
+            <a:ext cx="7677026" cy="1754327"/>
+          </a:xfrm>
+          <a:prstGeom prst="rect">
+            <a:avLst/>
+          </a:prstGeom>
+          <a:noFill/>
+        </p:spPr>
+        <p:txBody>
+          <a:bodyPr wrap="none" lIns="91440" tIns="45720" rIns="91440" bIns="45720">
+            <a:spAutoFit/>
+          </a:bodyPr>
+          <a:lstStyle/>
+          <a:p>
+            <a:pPr algn="ctr"/>
+            <a:r>
+              <a:rPr lang="en-US" sz="5400" b="1" cap="none" spc="0" dirty="0" smtClean="0">
+                <a:ln w="12700">
+                  <a:solidFill>
+                    <a:schemeClr val="tx2">
+                      <a:satMod val="155000"/>
+                    </a:schemeClr>
+                  </a:solidFill>
+                  <a:prstDash val="solid"/>
+                </a:ln>
+                <a:solidFill>
+                  <a:schemeClr val="bg2">
+                    <a:tint val="85000"/>
+                    <a:satMod val="155000"/>
+                  </a:schemeClr>
+                </a:solidFill>
+                <a:effectLst>
+                  <a:outerShdw blurRad="41275" dist="20320" dir="1800000" algn="tl" rotWithShape="0">
+                    <a:srgbClr val="000000">
+                      <a:alpha val="40000"/>
+                    </a:srgbClr>
+                  </a:outerShdw>
+                </a:effectLst>
+              </a:rPr>
+              <a:t>Lets Have some hands-on</a:t>
+            </a:r>
+          </a:p>
+          <a:p>
+            <a:pPr algn="ctr"/>
+            <a:r>
+              <a:rPr lang="en-US" sz="5400" b="1" dirty="0" smtClean="0">
+                <a:ln w="12700">
+                  <a:solidFill>
+                    <a:schemeClr val="tx2">
+                      <a:satMod val="155000"/>
+                    </a:schemeClr>
+                  </a:solidFill>
+                  <a:prstDash val="solid"/>
+                </a:ln>
+                <a:solidFill>
+                  <a:schemeClr val="bg2">
+                    <a:tint val="85000"/>
+                    <a:satMod val="155000"/>
+                  </a:schemeClr>
+                </a:solidFill>
+                <a:effectLst>
+                  <a:outerShdw blurRad="41275" dist="20320" dir="1800000" algn="tl" rotWithShape="0">
+                    <a:srgbClr val="000000">
+                      <a:alpha val="40000"/>
+                    </a:srgbClr>
+                  </a:outerShdw>
+                </a:effectLst>
+              </a:rPr>
+              <a:t>Coding</a:t>
+            </a:r>
+            <a:endParaRPr lang="en-US" sz="5400" b="1" cap="none" spc="0" dirty="0">
+              <a:ln w="12700">
+                <a:solidFill>
+                  <a:schemeClr val="tx2">
+                    <a:satMod val="155000"/>
+                  </a:schemeClr>
+                </a:solidFill>
+                <a:prstDash val="solid"/>
+              </a:ln>
+              <a:solidFill>
+                <a:schemeClr val="bg2">
+                  <a:tint val="85000"/>
+                  <a:satMod val="155000"/>
+                </a:schemeClr>
+              </a:solidFill>
+              <a:effectLst>
+                <a:outerShdw blurRad="41275" dist="20320" dir="1800000" algn="tl" rotWithShape="0">
+                  <a:srgbClr val="000000">
+                    <a:alpha val="40000"/>
+                  </a:srgbClr>
+                </a:outerShdw>
+              </a:effectLst>
+            </a:endParaRPr>
+          </a:p>
+        </p:txBody>
+      </p:sp>
+    </p:spTree>
+    <p:extLst>
+      <p:ext uri="{BB962C8B-B14F-4D97-AF65-F5344CB8AC3E}">
+        <p14:creationId xmlns:p14="http://schemas.microsoft.com/office/powerpoint/2010/main" val="1314742169"/>
+      </p:ext>
+    </p:extLst>
+  </p:cSld>
+  <p:clrMapOvr>
+    <a:masterClrMapping/>
+  </p:clrMapOvr>
+  <p:timing>
+    <p:tnLst>
+      <p:par>
+        <p:cTn xmlns:p14="http://schemas.microsoft.com/office/powerpoint/2010/main" id="1" dur="indefinite" restart="never" nodeType="tmRoot"/>
+      </p:par>
+    </p:tnLst>
+  </p:timing>
+</p:sld>
+</file>
+
+<file path=ppt/slides/slide11.xml><?xml version="1.0" encoding="utf-8"?>
+<p:sld xmlns:a="http://schemas.openxmlformats.org/drawingml/2006/main" xmlns:r="http://schemas.openxmlformats.org/officeDocument/2006/relationships" xmlns:p="http://schemas.openxmlformats.org/presentationml/2006/main">
+  <p:cSld>
+    <p:spTree>
+      <p:nvGrpSpPr>
+        <p:cNvPr id="1" name=""/>
+        <p:cNvGrpSpPr/>
+        <p:nvPr/>
+      </p:nvGrpSpPr>
+      <p:grpSpPr>
+        <a:xfrm>
+          <a:off x="0" y="0"/>
+          <a:ext cx="0" cy="0"/>
+          <a:chOff x="0" y="0"/>
+          <a:chExt cx="0" cy="0"/>
+        </a:xfrm>
+      </p:grpSpPr>
+      <p:sp>
+        <p:nvSpPr>
+          <p:cNvPr id="2" name="Title 1"/>
+          <p:cNvSpPr>
+            <a:spLocks noGrp="1"/>
+          </p:cNvSpPr>
+          <p:nvPr>
+            <p:ph type="title"/>
+          </p:nvPr>
+        </p:nvSpPr>
+        <p:spPr>
+          <a:xfrm>
+            <a:off x="276225" y="1"/>
+            <a:ext cx="8591550" cy="696382"/>
+          </a:xfrm>
+        </p:spPr>
+        <p:txBody>
+          <a:bodyPr>
+            <a:normAutofit/>
+          </a:bodyPr>
+          <a:lstStyle/>
+          <a:p>
+            <a:pPr algn="ctr"/>
+            <a:r>
               <a:rPr lang="en-US" dirty="0"/>
               <a:t>Adding real time features with </a:t>
             </a:r>
@@ -23267,7 +23503,7 @@
 </p:sld>
 </file>
 
-<file path=ppt/slides/slide11.xml><?xml version="1.0" encoding="utf-8"?>
+<file path=ppt/slides/slide12.xml><?xml version="1.0" encoding="utf-8"?>
 <p:sld xmlns:a="http://schemas.openxmlformats.org/drawingml/2006/main" xmlns:r="http://schemas.openxmlformats.org/officeDocument/2006/relationships" xmlns:p="http://schemas.openxmlformats.org/presentationml/2006/main">
   <p:cSld>
     <p:spTree>
@@ -23663,7 +23899,7 @@
 </p:sld>
 </file>
 
-<file path=ppt/slides/slide12.xml><?xml version="1.0" encoding="utf-8"?>
+<file path=ppt/slides/slide13.xml><?xml version="1.0" encoding="utf-8"?>
 <p:sld xmlns:a="http://schemas.openxmlformats.org/drawingml/2006/main" xmlns:r="http://schemas.openxmlformats.org/officeDocument/2006/relationships" xmlns:p="http://schemas.openxmlformats.org/presentationml/2006/main">
   <p:cSld>
     <p:spTree>
@@ -23824,7 +24060,7 @@
 </p:sld>
 </file>
 
-<file path=ppt/slides/slide13.xml><?xml version="1.0" encoding="utf-8"?>
+<file path=ppt/slides/slide14.xml><?xml version="1.0" encoding="utf-8"?>
 <p:sld xmlns:a="http://schemas.openxmlformats.org/drawingml/2006/main" xmlns:r="http://schemas.openxmlformats.org/officeDocument/2006/relationships" xmlns:p="http://schemas.openxmlformats.org/presentationml/2006/main">
   <p:cSld>
     <p:spTree>
@@ -23939,15 +24175,7 @@
           <a:p>
             <a:r>
               <a:rPr lang="en-US" dirty="0" smtClean="0"/>
-              <a:t>2. </a:t>
-            </a:r>
-            <a:r>
-              <a:rPr lang="en-US" dirty="0" smtClean="0"/>
-              <a:t>   http </a:t>
-            </a:r>
-            <a:r>
-              <a:rPr lang="en-US" dirty="0" smtClean="0"/>
-              <a:t>server and image processing are in separate instances of node</a:t>
+              <a:t>2.    http server and image processing are in separate instances of node</a:t>
             </a:r>
           </a:p>
         </p:txBody>
@@ -23972,7 +24200,7 @@
 </p:sld>
 </file>
 
-<file path=ppt/slides/slide14.xml><?xml version="1.0" encoding="utf-8"?>
+<file path=ppt/slides/slide15.xml><?xml version="1.0" encoding="utf-8"?>
 <p:sld xmlns:a="http://schemas.openxmlformats.org/drawingml/2006/main" xmlns:r="http://schemas.openxmlformats.org/officeDocument/2006/relationships" xmlns:p="http://schemas.openxmlformats.org/presentationml/2006/main">
   <p:cSld>
     <p:spTree>
@@ -24186,7 +24414,7 @@
 </p:sld>
 </file>
 
-<file path=ppt/slides/slide15.xml><?xml version="1.0" encoding="utf-8"?>
+<file path=ppt/slides/slide16.xml><?xml version="1.0" encoding="utf-8"?>
 <p:sld xmlns:a="http://schemas.openxmlformats.org/drawingml/2006/main" xmlns:r="http://schemas.openxmlformats.org/officeDocument/2006/relationships" xmlns:p="http://schemas.openxmlformats.org/presentationml/2006/main">
   <p:cSld>
     <p:spTree>
@@ -24415,21 +24643,13 @@
           <a:p>
             <a:r>
               <a:rPr lang="en-US" b="1" dirty="0" smtClean="0"/>
-              <a:t> </a:t>
-            </a:r>
-            <a:r>
-              <a:rPr lang="en-US" b="1" dirty="0" smtClean="0"/>
-              <a:t>Inspiration behind this stuff</a:t>
+              <a:t> Inspiration behind this stuff</a:t>
             </a:r>
           </a:p>
           <a:p>
             <a:r>
               <a:rPr lang="en-US" b="1" dirty="0" smtClean="0"/>
-              <a:t>Pre</a:t>
-            </a:r>
-            <a:r>
-              <a:rPr lang="en-US" b="1" dirty="0" smtClean="0"/>
-              <a:t>-requisites before proceeding further </a:t>
+              <a:t>Pre-requisites before proceeding further </a:t>
             </a:r>
           </a:p>
           <a:p>
@@ -24658,7 +24878,6 @@
               <a:rPr lang="en-US" sz="2200" dirty="0" smtClean="0"/>
               <a:t> for little more fun.</a:t>
             </a:r>
-            <a:endParaRPr lang="en-US" sz="2200" dirty="0" smtClean="0"/>
           </a:p>
           <a:p>
             <a:endParaRPr lang="en-US" sz="2200" dirty="0" smtClean="0"/>
@@ -24696,6 +24915,102 @@
 </file>
 
 <file path=ppt/slides/slide4.xml><?xml version="1.0" encoding="utf-8"?>
+<p:sld xmlns:a="http://schemas.openxmlformats.org/drawingml/2006/main" xmlns:r="http://schemas.openxmlformats.org/officeDocument/2006/relationships" xmlns:p="http://schemas.openxmlformats.org/presentationml/2006/main">
+  <p:cSld>
+    <p:spTree>
+      <p:nvGrpSpPr>
+        <p:cNvPr id="1" name=""/>
+        <p:cNvGrpSpPr/>
+        <p:nvPr/>
+      </p:nvGrpSpPr>
+      <p:grpSpPr>
+        <a:xfrm>
+          <a:off x="0" y="0"/>
+          <a:ext cx="0" cy="0"/>
+          <a:chOff x="0" y="0"/>
+          <a:chExt cx="0" cy="0"/>
+        </a:xfrm>
+      </p:grpSpPr>
+      <p:sp>
+        <p:nvSpPr>
+          <p:cNvPr id="2" name="Title 1"/>
+          <p:cNvSpPr>
+            <a:spLocks noGrp="1"/>
+          </p:cNvSpPr>
+          <p:nvPr>
+            <p:ph type="title"/>
+          </p:nvPr>
+        </p:nvSpPr>
+        <p:spPr>
+          <a:xfrm>
+            <a:off x="276225" y="1"/>
+            <a:ext cx="8591550" cy="696382"/>
+          </a:xfrm>
+        </p:spPr>
+        <p:txBody>
+          <a:bodyPr/>
+          <a:lstStyle/>
+          <a:p>
+            <a:pPr algn="ctr"/>
+            <a:r>
+              <a:rPr lang="en-US" dirty="0" smtClean="0"/>
+              <a:t>Inspiration</a:t>
+            </a:r>
+            <a:endParaRPr lang="en-US" dirty="0"/>
+          </a:p>
+        </p:txBody>
+      </p:sp>
+      <p:sp>
+        <p:nvSpPr>
+          <p:cNvPr id="3" name="Content Placeholder 2"/>
+          <p:cNvSpPr>
+            <a:spLocks noGrp="1"/>
+          </p:cNvSpPr>
+          <p:nvPr>
+            <p:ph sz="quarter" idx="13"/>
+          </p:nvPr>
+        </p:nvSpPr>
+        <p:spPr>
+          <a:xfrm>
+            <a:off x="608194" y="1068886"/>
+            <a:ext cx="8390555" cy="1146750"/>
+          </a:xfrm>
+        </p:spPr>
+        <p:txBody>
+          <a:bodyPr>
+            <a:normAutofit/>
+          </a:bodyPr>
+          <a:lstStyle/>
+          <a:p>
+            <a:r>
+              <a:rPr lang="en-US" sz="2000" dirty="0" smtClean="0"/>
+              <a:t>Just want to contribute something to open source at application layer. </a:t>
+            </a:r>
+            <a:endParaRPr lang="en-US" sz="2000" dirty="0"/>
+          </a:p>
+        </p:txBody>
+      </p:sp>
+    </p:spTree>
+    <p:extLst>
+      <p:ext uri="{BB962C8B-B14F-4D97-AF65-F5344CB8AC3E}">
+        <p14:creationId xmlns:p14="http://schemas.microsoft.com/office/powerpoint/2010/main" val="2229725653"/>
+      </p:ext>
+    </p:extLst>
+  </p:cSld>
+  <p:clrMapOvr>
+    <a:masterClrMapping/>
+  </p:clrMapOvr>
+  <p:timing>
+    <p:tnLst>
+      <p:par>
+        <p:cTn xmlns:p14="http://schemas.microsoft.com/office/powerpoint/2010/main" id="1" dur="indefinite" restart="never" nodeType="tmRoot"/>
+      </p:par>
+    </p:tnLst>
+  </p:timing>
+</p:sld>
+</file>
+
+<file path=ppt/slides/slide5.xml><?xml version="1.0" encoding="utf-8"?>
 <p:sld xmlns:a="http://schemas.openxmlformats.org/drawingml/2006/main" xmlns:r="http://schemas.openxmlformats.org/officeDocument/2006/relationships" xmlns:p="http://schemas.openxmlformats.org/presentationml/2006/main">
   <p:cSld>
     <p:spTree>
@@ -24905,7 +25220,7 @@
 </p:sld>
 </file>
 
-<file path=ppt/slides/slide5.xml><?xml version="1.0" encoding="utf-8"?>
+<file path=ppt/slides/slide6.xml><?xml version="1.0" encoding="utf-8"?>
 <p:sld xmlns:a="http://schemas.openxmlformats.org/drawingml/2006/main" xmlns:r="http://schemas.openxmlformats.org/officeDocument/2006/relationships" xmlns:p="http://schemas.openxmlformats.org/presentationml/2006/main">
   <p:cSld>
     <p:spTree>
@@ -24972,7 +25287,7 @@
 </p:sld>
 </file>
 
-<file path=ppt/slides/slide6.xml><?xml version="1.0" encoding="utf-8"?>
+<file path=ppt/slides/slide7.xml><?xml version="1.0" encoding="utf-8"?>
 <p:sld xmlns:a="http://schemas.openxmlformats.org/drawingml/2006/main" xmlns:r="http://schemas.openxmlformats.org/officeDocument/2006/relationships" xmlns:p="http://schemas.openxmlformats.org/presentationml/2006/main">
   <p:cSld>
     <p:spTree>
@@ -25203,7 +25518,7 @@
 </p:sld>
 </file>
 
-<file path=ppt/slides/slide7.xml><?xml version="1.0" encoding="utf-8"?>
+<file path=ppt/slides/slide8.xml><?xml version="1.0" encoding="utf-8"?>
 <p:sld xmlns:a="http://schemas.openxmlformats.org/drawingml/2006/main" xmlns:r="http://schemas.openxmlformats.org/officeDocument/2006/relationships" xmlns:p="http://schemas.openxmlformats.org/presentationml/2006/main">
   <p:cSld>
     <p:spTree>
@@ -25435,7 +25750,7 @@
 </p:sld>
 </file>
 
-<file path=ppt/slides/slide8.xml><?xml version="1.0" encoding="utf-8"?>
+<file path=ppt/slides/slide9.xml><?xml version="1.0" encoding="utf-8"?>
 <p:sld xmlns:a="http://schemas.openxmlformats.org/drawingml/2006/main" xmlns:r="http://schemas.openxmlformats.org/officeDocument/2006/relationships" xmlns:p="http://schemas.openxmlformats.org/presentationml/2006/main">
   <p:cSld>
     <p:spTree>
@@ -25664,241 +25979,6 @@
     <p:extLst>
       <p:ext uri="{BB962C8B-B14F-4D97-AF65-F5344CB8AC3E}">
         <p14:creationId xmlns:p14="http://schemas.microsoft.com/office/powerpoint/2010/main" val="3028455642"/>
-      </p:ext>
-    </p:extLst>
-  </p:cSld>
-  <p:clrMapOvr>
-    <a:masterClrMapping/>
-  </p:clrMapOvr>
-  <p:timing>
-    <p:tnLst>
-      <p:par>
-        <p:cTn xmlns:p14="http://schemas.microsoft.com/office/powerpoint/2010/main" id="1" dur="indefinite" restart="never" nodeType="tmRoot"/>
-      </p:par>
-    </p:tnLst>
-  </p:timing>
-</p:sld>
-</file>
-
-<file path=ppt/slides/slide9.xml><?xml version="1.0" encoding="utf-8"?>
-<p:sld xmlns:a="http://schemas.openxmlformats.org/drawingml/2006/main" xmlns:r="http://schemas.openxmlformats.org/officeDocument/2006/relationships" xmlns:p="http://schemas.openxmlformats.org/presentationml/2006/main">
-  <p:cSld>
-    <p:spTree>
-      <p:nvGrpSpPr>
-        <p:cNvPr id="1" name=""/>
-        <p:cNvGrpSpPr/>
-        <p:nvPr/>
-      </p:nvGrpSpPr>
-      <p:grpSpPr>
-        <a:xfrm>
-          <a:off x="0" y="0"/>
-          <a:ext cx="0" cy="0"/>
-          <a:chOff x="0" y="0"/>
-          <a:chExt cx="0" cy="0"/>
-        </a:xfrm>
-      </p:grpSpPr>
-      <p:sp>
-        <p:nvSpPr>
-          <p:cNvPr id="2" name="Title 1"/>
-          <p:cNvSpPr>
-            <a:spLocks noGrp="1"/>
-          </p:cNvSpPr>
-          <p:nvPr>
-            <p:ph type="title"/>
-          </p:nvPr>
-        </p:nvSpPr>
-        <p:spPr>
-          <a:xfrm>
-            <a:off x="276225" y="1"/>
-            <a:ext cx="8591550" cy="696382"/>
-          </a:xfrm>
-        </p:spPr>
-        <p:txBody>
-          <a:bodyPr>
-            <a:normAutofit/>
-          </a:bodyPr>
-          <a:lstStyle/>
-          <a:p>
-            <a:pPr algn="ctr"/>
-            <a:r>
-              <a:rPr lang="en-US" dirty="0" smtClean="0"/>
-              <a:t>Hands on session – Advanced</a:t>
-            </a:r>
-            <a:endParaRPr lang="en-US" dirty="0"/>
-          </a:p>
-        </p:txBody>
-      </p:sp>
-      <p:sp>
-        <p:nvSpPr>
-          <p:cNvPr id="4" name="Rectangle 3"/>
-          <p:cNvSpPr/>
-          <p:nvPr/>
-        </p:nvSpPr>
-        <p:spPr>
-          <a:xfrm>
-            <a:off x="111598" y="988383"/>
-            <a:ext cx="8756177" cy="1569660"/>
-          </a:xfrm>
-          <a:prstGeom prst="rect">
-            <a:avLst/>
-          </a:prstGeom>
-        </p:spPr>
-        <p:txBody>
-          <a:bodyPr wrap="square">
-            <a:spAutoFit/>
-          </a:bodyPr>
-          <a:lstStyle/>
-          <a:p>
-            <a:pPr marL="342900" indent="-342900">
-              <a:buFontTx/>
-              <a:buChar char="-"/>
-            </a:pPr>
-            <a:r>
-              <a:rPr lang="en-US" sz="2400" dirty="0" smtClean="0"/>
-              <a:t>Effects</a:t>
-            </a:r>
-          </a:p>
-          <a:p>
-            <a:pPr marL="342900" indent="-342900">
-              <a:buFontTx/>
-              <a:buChar char="-"/>
-            </a:pPr>
-            <a:r>
-              <a:rPr lang="en-US" sz="2400" dirty="0" smtClean="0"/>
-              <a:t>Transformations</a:t>
-            </a:r>
-          </a:p>
-          <a:p>
-            <a:pPr marL="342900" indent="-342900">
-              <a:buFontTx/>
-              <a:buChar char="-"/>
-            </a:pPr>
-            <a:r>
-              <a:rPr lang="en-US" sz="2400" dirty="0" smtClean="0"/>
-              <a:t>Thumbnail generation</a:t>
-            </a:r>
-          </a:p>
-          <a:p>
-            <a:r>
-              <a:rPr lang="en-US" sz="2400" dirty="0"/>
-              <a:t> </a:t>
-            </a:r>
-            <a:r>
-              <a:rPr lang="en-US" sz="2400" dirty="0" smtClean="0"/>
-              <a:t>   </a:t>
-            </a:r>
-            <a:endParaRPr lang="en-US" sz="2400" dirty="0"/>
-          </a:p>
-        </p:txBody>
-      </p:sp>
-      <p:sp>
-        <p:nvSpPr>
-          <p:cNvPr id="5" name="Rectangle 4"/>
-          <p:cNvSpPr/>
-          <p:nvPr/>
-        </p:nvSpPr>
-        <p:spPr>
-          <a:xfrm>
-            <a:off x="584862" y="5103673"/>
-            <a:ext cx="7677026" cy="1754327"/>
-          </a:xfrm>
-          <a:prstGeom prst="rect">
-            <a:avLst/>
-          </a:prstGeom>
-          <a:noFill/>
-        </p:spPr>
-        <p:txBody>
-          <a:bodyPr wrap="none" lIns="91440" tIns="45720" rIns="91440" bIns="45720">
-            <a:spAutoFit/>
-          </a:bodyPr>
-          <a:lstStyle/>
-          <a:p>
-            <a:pPr algn="ctr"/>
-            <a:r>
-              <a:rPr lang="en-US" sz="5400" b="1" cap="none" spc="0" dirty="0" smtClean="0">
-                <a:ln w="12700">
-                  <a:solidFill>
-                    <a:schemeClr val="tx2">
-                      <a:satMod val="155000"/>
-                    </a:schemeClr>
-                  </a:solidFill>
-                  <a:prstDash val="solid"/>
-                </a:ln>
-                <a:solidFill>
-                  <a:schemeClr val="bg2">
-                    <a:tint val="85000"/>
-                    <a:satMod val="155000"/>
-                  </a:schemeClr>
-                </a:solidFill>
-                <a:effectLst>
-                  <a:outerShdw blurRad="41275" dist="20320" dir="1800000" algn="tl" rotWithShape="0">
-                    <a:srgbClr val="000000">
-                      <a:alpha val="40000"/>
-                    </a:srgbClr>
-                  </a:outerShdw>
-                </a:effectLst>
-              </a:rPr>
-              <a:t>Lets Have some hands-on</a:t>
-            </a:r>
-          </a:p>
-          <a:p>
-            <a:pPr algn="ctr"/>
-            <a:r>
-              <a:rPr lang="en-US" sz="5400" b="1" dirty="0" smtClean="0">
-                <a:ln w="12700">
-                  <a:solidFill>
-                    <a:schemeClr val="tx2">
-                      <a:satMod val="155000"/>
-                    </a:schemeClr>
-                  </a:solidFill>
-                  <a:prstDash val="solid"/>
-                </a:ln>
-                <a:solidFill>
-                  <a:schemeClr val="bg2">
-                    <a:tint val="85000"/>
-                    <a:satMod val="155000"/>
-                  </a:schemeClr>
-                </a:solidFill>
-                <a:effectLst>
-                  <a:outerShdw blurRad="41275" dist="20320" dir="1800000" algn="tl" rotWithShape="0">
-                    <a:srgbClr val="000000">
-                      <a:alpha val="40000"/>
-                    </a:srgbClr>
-                  </a:outerShdw>
-                </a:effectLst>
-              </a:rPr>
-              <a:t>Coding</a:t>
-            </a:r>
-            <a:endParaRPr lang="en-US" sz="5400" b="1" cap="none" spc="0" dirty="0">
-              <a:ln w="12700">
-                <a:solidFill>
-                  <a:schemeClr val="tx2">
-                    <a:satMod val="155000"/>
-                  </a:schemeClr>
-                </a:solidFill>
-                <a:prstDash val="solid"/>
-              </a:ln>
-              <a:solidFill>
-                <a:schemeClr val="bg2">
-                  <a:tint val="85000"/>
-                  <a:satMod val="155000"/>
-                </a:schemeClr>
-              </a:solidFill>
-              <a:effectLst>
-                <a:outerShdw blurRad="41275" dist="20320" dir="1800000" algn="tl" rotWithShape="0">
-                  <a:srgbClr val="000000">
-                    <a:alpha val="40000"/>
-                  </a:srgbClr>
-                </a:outerShdw>
-              </a:effectLst>
-            </a:endParaRPr>
-          </a:p>
-        </p:txBody>
-      </p:sp>
-    </p:spTree>
-    <p:extLst>
-      <p:ext uri="{BB962C8B-B14F-4D97-AF65-F5344CB8AC3E}">
-        <p14:creationId xmlns:p14="http://schemas.microsoft.com/office/powerpoint/2010/main" val="1314742169"/>
       </p:ext>
     </p:extLst>
   </p:cSld>
